--- a/Announcement/팀원끼리 모르는 팀(발표용).pptx
+++ b/Announcement/팀원끼리 모르는 팀(발표용).pptx
@@ -123,6 +123,11 @@
       </a:defRPr>
     </a:lvl9pPr>
   </p:defaultTextStyle>
+  <p:extLst>
+    <p:ext uri="{EFAFB233-063F-42B5-8137-9DF3F51BA10A}">
+      <p15:sldGuideLst xmlns:p15="http://schemas.microsoft.com/office/powerpoint/2012/main"/>
+    </p:ext>
+  </p:extLst>
 </p:presentation>
 </file>
 
@@ -13664,6 +13669,60 @@
       </p:pic>
       <p:sp>
         <p:nvSpPr>
+          <p:cNvPr id="20" name="화살표: 아래쪽 19">
+            <a:extLst>
+              <a:ext uri="{FF2B5EF4-FFF2-40B4-BE49-F238E27FC236}">
+                <a16:creationId xmlns:a16="http://schemas.microsoft.com/office/drawing/2014/main" id="{37903A4D-5921-49DF-8B1C-361BB52A1A21}"/>
+              </a:ext>
+            </a:extLst>
+          </p:cNvPr>
+          <p:cNvSpPr/>
+          <p:nvPr/>
+        </p:nvSpPr>
+        <p:spPr>
+          <a:xfrm>
+            <a:off x="8839200" y="3855076"/>
+            <a:ext cx="1332586" cy="1136430"/>
+          </a:xfrm>
+          <a:prstGeom prst="downArrow">
+            <a:avLst/>
+          </a:prstGeom>
+          <a:solidFill>
+            <a:srgbClr val="181717">
+              <a:alpha val="20000"/>
+            </a:srgbClr>
+          </a:solidFill>
+          <a:ln>
+            <a:noFill/>
+          </a:ln>
+        </p:spPr>
+        <p:style>
+          <a:lnRef idx="2">
+            <a:schemeClr val="accent1">
+              <a:shade val="50000"/>
+            </a:schemeClr>
+          </a:lnRef>
+          <a:fillRef idx="1">
+            <a:schemeClr val="accent1"/>
+          </a:fillRef>
+          <a:effectRef idx="0">
+            <a:schemeClr val="accent1"/>
+          </a:effectRef>
+          <a:fontRef idx="minor">
+            <a:schemeClr val="lt1"/>
+          </a:fontRef>
+        </p:style>
+        <p:txBody>
+          <a:bodyPr rtlCol="0" anchor="ctr"/>
+          <a:lstStyle/>
+          <a:p>
+            <a:pPr algn="ctr"/>
+            <a:endParaRPr lang="ko-KR" altLang="en-US" dirty="0"/>
+          </a:p>
+        </p:txBody>
+      </p:sp>
+      <p:sp>
+        <p:nvSpPr>
           <p:cNvPr id="6" name="TextBox 5">
             <a:extLst>
               <a:ext uri="{FF2B5EF4-FFF2-40B4-BE49-F238E27FC236}">
@@ -13728,10 +13787,10 @@
         </p:nvGrpSpPr>
         <p:grpSpPr>
           <a:xfrm>
-            <a:off x="8460510" y="4802909"/>
-            <a:ext cx="1953490" cy="786488"/>
-            <a:chOff x="8460510" y="4802909"/>
-            <a:chExt cx="1953490" cy="786488"/>
+            <a:off x="8460510" y="4419738"/>
+            <a:ext cx="1953490" cy="1169659"/>
+            <a:chOff x="8460510" y="4419738"/>
+            <a:chExt cx="1953490" cy="1169659"/>
           </a:xfrm>
         </p:grpSpPr>
         <p:grpSp>
@@ -13985,7 +14044,7 @@
           </p:nvSpPr>
           <p:spPr>
             <a:xfrm>
-              <a:off x="9518073" y="4923073"/>
+              <a:off x="9246874" y="4419738"/>
               <a:ext cx="517237" cy="276999"/>
             </a:xfrm>
             <a:prstGeom prst="rect">
@@ -14139,7 +14198,7 @@
                                 </p:cTn>
                               </p:par>
                               <p:par>
-                                <p:cTn id="7" presetID="1" presetClass="entr" presetSubtype="0" fill="hold" nodeType="withEffect">
+                                <p:cTn id="7" presetID="10" presetClass="entr" presetSubtype="0" fill="hold" nodeType="withEffect">
                                   <p:stCondLst>
                                     <p:cond delay="0"/>
                                   </p:stCondLst>
@@ -14162,6 +14221,49 @@
                                         <p:strVal val="visible"/>
                                       </p:to>
                                     </p:set>
+                                    <p:animEffect transition="in" filter="fade">
+                                      <p:cBhvr>
+                                        <p:cTn id="9" dur="2000"/>
+                                        <p:tgtEl>
+                                          <p:spTgt spid="15"/>
+                                        </p:tgtEl>
+                                      </p:cBhvr>
+                                    </p:animEffect>
+                                  </p:childTnLst>
+                                </p:cTn>
+                              </p:par>
+                              <p:par>
+                                <p:cTn id="10" presetID="10" presetClass="entr" presetSubtype="0" fill="hold" grpId="0" nodeType="withEffect">
+                                  <p:stCondLst>
+                                    <p:cond delay="0"/>
+                                  </p:stCondLst>
+                                  <p:childTnLst>
+                                    <p:set>
+                                      <p:cBhvr>
+                                        <p:cTn id="11" dur="1" fill="hold">
+                                          <p:stCondLst>
+                                            <p:cond delay="0"/>
+                                          </p:stCondLst>
+                                        </p:cTn>
+                                        <p:tgtEl>
+                                          <p:spTgt spid="20"/>
+                                        </p:tgtEl>
+                                        <p:attrNameLst>
+                                          <p:attrName>style.visibility</p:attrName>
+                                        </p:attrNameLst>
+                                      </p:cBhvr>
+                                      <p:to>
+                                        <p:strVal val="visible"/>
+                                      </p:to>
+                                    </p:set>
+                                    <p:animEffect transition="in" filter="fade">
+                                      <p:cBhvr>
+                                        <p:cTn id="12" dur="2000"/>
+                                        <p:tgtEl>
+                                          <p:spTgt spid="20"/>
+                                        </p:tgtEl>
+                                      </p:cBhvr>
+                                    </p:animEffect>
                                   </p:childTnLst>
                                 </p:cTn>
                               </p:par>
@@ -14193,6 +14295,7 @@
       </p:par>
     </p:tnLst>
     <p:bldLst>
+      <p:bldP spid="20" grpId="0" animBg="1"/>
       <p:bldP spid="6" grpId="0"/>
     </p:bldLst>
   </p:timing>
